--- a/Leçons/diapo/LP17.pptx
+++ b/Leçons/diapo/LP17.pptx
@@ -5,13 +5,14 @@
     <p:sldMasterId id="2147483648" r:id="rId1"/>
   </p:sldMasterIdLst>
   <p:sldIdLst>
-    <p:sldId id="256" r:id="rId2"/>
-    <p:sldId id="258" r:id="rId3"/>
-    <p:sldId id="257" r:id="rId4"/>
-    <p:sldId id="261" r:id="rId5"/>
-    <p:sldId id="259" r:id="rId6"/>
-    <p:sldId id="260" r:id="rId7"/>
-    <p:sldId id="262" r:id="rId8"/>
+    <p:sldId id="263" r:id="rId2"/>
+    <p:sldId id="264" r:id="rId3"/>
+    <p:sldId id="258" r:id="rId4"/>
+    <p:sldId id="257" r:id="rId5"/>
+    <p:sldId id="261" r:id="rId6"/>
+    <p:sldId id="259" r:id="rId7"/>
+    <p:sldId id="260" r:id="rId8"/>
+    <p:sldId id="262" r:id="rId9"/>
   </p:sldIdLst>
   <p:sldSz cx="12192000" cy="6858000"/>
   <p:notesSz cx="6858000" cy="9144000"/>
@@ -249,7 +250,7 @@
           <a:p>
             <a:fld id="{C262451B-073C-4FAC-8D0B-6648421A7945}" type="datetimeFigureOut">
               <a:rPr lang="fr-FR" smtClean="0"/>
-              <a:t>13/10/2019</a:t>
+              <a:t>03/05/2020</a:t>
             </a:fld>
             <a:endParaRPr lang="fr-FR"/>
           </a:p>
@@ -419,7 +420,7 @@
           <a:p>
             <a:fld id="{C262451B-073C-4FAC-8D0B-6648421A7945}" type="datetimeFigureOut">
               <a:rPr lang="fr-FR" smtClean="0"/>
-              <a:t>13/10/2019</a:t>
+              <a:t>03/05/2020</a:t>
             </a:fld>
             <a:endParaRPr lang="fr-FR"/>
           </a:p>
@@ -599,7 +600,7 @@
           <a:p>
             <a:fld id="{C262451B-073C-4FAC-8D0B-6648421A7945}" type="datetimeFigureOut">
               <a:rPr lang="fr-FR" smtClean="0"/>
-              <a:t>13/10/2019</a:t>
+              <a:t>03/05/2020</a:t>
             </a:fld>
             <a:endParaRPr lang="fr-FR"/>
           </a:p>
@@ -769,7 +770,7 @@
           <a:p>
             <a:fld id="{C262451B-073C-4FAC-8D0B-6648421A7945}" type="datetimeFigureOut">
               <a:rPr lang="fr-FR" smtClean="0"/>
-              <a:t>13/10/2019</a:t>
+              <a:t>03/05/2020</a:t>
             </a:fld>
             <a:endParaRPr lang="fr-FR"/>
           </a:p>
@@ -1015,7 +1016,7 @@
           <a:p>
             <a:fld id="{C262451B-073C-4FAC-8D0B-6648421A7945}" type="datetimeFigureOut">
               <a:rPr lang="fr-FR" smtClean="0"/>
-              <a:t>13/10/2019</a:t>
+              <a:t>03/05/2020</a:t>
             </a:fld>
             <a:endParaRPr lang="fr-FR"/>
           </a:p>
@@ -1247,7 +1248,7 @@
           <a:p>
             <a:fld id="{C262451B-073C-4FAC-8D0B-6648421A7945}" type="datetimeFigureOut">
               <a:rPr lang="fr-FR" smtClean="0"/>
-              <a:t>13/10/2019</a:t>
+              <a:t>03/05/2020</a:t>
             </a:fld>
             <a:endParaRPr lang="fr-FR"/>
           </a:p>
@@ -1614,7 +1615,7 @@
           <a:p>
             <a:fld id="{C262451B-073C-4FAC-8D0B-6648421A7945}" type="datetimeFigureOut">
               <a:rPr lang="fr-FR" smtClean="0"/>
-              <a:t>13/10/2019</a:t>
+              <a:t>03/05/2020</a:t>
             </a:fld>
             <a:endParaRPr lang="fr-FR"/>
           </a:p>
@@ -1732,7 +1733,7 @@
           <a:p>
             <a:fld id="{C262451B-073C-4FAC-8D0B-6648421A7945}" type="datetimeFigureOut">
               <a:rPr lang="fr-FR" smtClean="0"/>
-              <a:t>13/10/2019</a:t>
+              <a:t>03/05/2020</a:t>
             </a:fld>
             <a:endParaRPr lang="fr-FR"/>
           </a:p>
@@ -1827,7 +1828,7 @@
           <a:p>
             <a:fld id="{C262451B-073C-4FAC-8D0B-6648421A7945}" type="datetimeFigureOut">
               <a:rPr lang="fr-FR" smtClean="0"/>
-              <a:t>13/10/2019</a:t>
+              <a:t>03/05/2020</a:t>
             </a:fld>
             <a:endParaRPr lang="fr-FR"/>
           </a:p>
@@ -2104,7 +2105,7 @@
           <a:p>
             <a:fld id="{C262451B-073C-4FAC-8D0B-6648421A7945}" type="datetimeFigureOut">
               <a:rPr lang="fr-FR" smtClean="0"/>
-              <a:t>13/10/2019</a:t>
+              <a:t>03/05/2020</a:t>
             </a:fld>
             <a:endParaRPr lang="fr-FR"/>
           </a:p>
@@ -2357,7 +2358,7 @@
           <a:p>
             <a:fld id="{C262451B-073C-4FAC-8D0B-6648421A7945}" type="datetimeFigureOut">
               <a:rPr lang="fr-FR" smtClean="0"/>
-              <a:t>13/10/2019</a:t>
+              <a:t>03/05/2020</a:t>
             </a:fld>
             <a:endParaRPr lang="fr-FR"/>
           </a:p>
@@ -2570,7 +2571,7 @@
           <a:p>
             <a:fld id="{C262451B-073C-4FAC-8D0B-6648421A7945}" type="datetimeFigureOut">
               <a:rPr lang="fr-FR" smtClean="0"/>
-              <a:t>13/10/2019</a:t>
+              <a:t>03/05/2020</a:t>
             </a:fld>
             <a:endParaRPr lang="fr-FR"/>
           </a:p>
@@ -2987,8 +2988,8 @@
         </p:nvSpPr>
         <p:spPr>
           <a:xfrm>
-            <a:off x="0" y="1855693"/>
-            <a:ext cx="12192000" cy="2387600"/>
+            <a:off x="860081" y="3056527"/>
+            <a:ext cx="10181546" cy="1092686"/>
           </a:xfrm>
         </p:spPr>
         <p:txBody>
@@ -2997,36 +2998,89 @@
           </a:bodyPr>
           <a:lstStyle/>
           <a:p>
-            <a:r>
-              <a:rPr lang="fr-FR" b="1" dirty="0" smtClean="0"/>
-              <a:t>LP17</a:t>
-            </a:r>
-            <a:r>
-              <a:rPr lang="fr-FR" dirty="0" smtClean="0"/>
-              <a:t/>
-            </a:r>
-            <a:br>
-              <a:rPr lang="fr-FR" dirty="0" smtClean="0"/>
-            </a:br>
-            <a:r>
-              <a:rPr lang="fr-FR" dirty="0" smtClean="0"/>
-              <a:t>Interférences à</a:t>
-            </a:r>
-            <a:br>
-              <a:rPr lang="fr-FR" dirty="0" smtClean="0"/>
-            </a:br>
-            <a:r>
-              <a:rPr lang="fr-FR" dirty="0" smtClean="0"/>
-              <a:t>deux ondes en optique</a:t>
-            </a:r>
-            <a:endParaRPr lang="fr-FR" dirty="0"/>
-          </a:p>
-        </p:txBody>
-      </p:sp>
+            <a:pPr algn="l"/>
+            <a:r>
+              <a:rPr lang="fr-FR" b="1" dirty="0" smtClean="0">
+                <a:solidFill>
+                  <a:srgbClr val="0070C0"/>
+                </a:solidFill>
+              </a:rPr>
+              <a:t>LP17 </a:t>
+            </a:r>
+            <a:r>
+              <a:rPr lang="fr-FR" b="1" dirty="0" smtClean="0">
+                <a:solidFill>
+                  <a:srgbClr val="0070C0"/>
+                </a:solidFill>
+              </a:rPr>
+              <a:t>: </a:t>
+            </a:r>
+            <a:r>
+              <a:rPr lang="fr-FR" b="1" dirty="0" smtClean="0">
+                <a:solidFill>
+                  <a:srgbClr val="0070C0"/>
+                </a:solidFill>
+              </a:rPr>
+              <a:t>Interférences à deux ondes 		en optique</a:t>
+            </a:r>
+            <a:endParaRPr lang="fr-FR" dirty="0">
+              <a:solidFill>
+                <a:srgbClr val="0070C0"/>
+              </a:solidFill>
+            </a:endParaRPr>
+          </a:p>
+        </p:txBody>
+      </p:sp>
+      <p:cxnSp>
+        <p:nvCxnSpPr>
+          <p:cNvPr id="4" name="Connecteur droit 3"/>
+          <p:cNvCxnSpPr/>
+          <p:nvPr/>
+        </p:nvCxnSpPr>
+        <p:spPr>
+          <a:xfrm flipV="1">
+            <a:off x="860080" y="4149213"/>
+            <a:ext cx="10181546" cy="0"/>
+          </a:xfrm>
+          <a:prstGeom prst="line">
+            <a:avLst/>
+          </a:prstGeom>
+          <a:ln w="76200">
+            <a:gradFill flip="none" rotWithShape="1">
+              <a:gsLst>
+                <a:gs pos="0">
+                  <a:srgbClr val="0070C0"/>
+                </a:gs>
+                <a:gs pos="100000">
+                  <a:srgbClr val="0070C0">
+                    <a:alpha val="25000"/>
+                  </a:srgbClr>
+                </a:gs>
+              </a:gsLst>
+              <a:lin ang="0" scaled="1"/>
+              <a:tileRect/>
+            </a:gradFill>
+          </a:ln>
+        </p:spPr>
+        <p:style>
+          <a:lnRef idx="1">
+            <a:schemeClr val="accent1"/>
+          </a:lnRef>
+          <a:fillRef idx="0">
+            <a:schemeClr val="accent1"/>
+          </a:fillRef>
+          <a:effectRef idx="0">
+            <a:schemeClr val="accent1"/>
+          </a:effectRef>
+          <a:fontRef idx="minor">
+            <a:schemeClr val="tx1"/>
+          </a:fontRef>
+        </p:style>
+      </p:cxnSp>
     </p:spTree>
     <p:extLst>
       <p:ext uri="{BB962C8B-B14F-4D97-AF65-F5344CB8AC3E}">
-        <p14:creationId xmlns:p14="http://schemas.microsoft.com/office/powerpoint/2010/main" val="2938211319"/>
+        <p14:creationId xmlns:p14="http://schemas.microsoft.com/office/powerpoint/2010/main" val="3610078271"/>
       </p:ext>
     </p:extLst>
   </p:cSld>
@@ -3044,6 +3098,146 @@
 </file>
 
 <file path=ppt/slides/slide2.xml><?xml version="1.0" encoding="utf-8"?>
+<p:sld xmlns:a="http://schemas.openxmlformats.org/drawingml/2006/main" xmlns:r="http://schemas.openxmlformats.org/officeDocument/2006/relationships" xmlns:p="http://schemas.openxmlformats.org/presentationml/2006/main">
+  <p:cSld>
+    <p:spTree>
+      <p:nvGrpSpPr>
+        <p:cNvPr id="1" name=""/>
+        <p:cNvGrpSpPr/>
+        <p:nvPr/>
+      </p:nvGrpSpPr>
+      <p:grpSpPr>
+        <a:xfrm>
+          <a:off x="0" y="0"/>
+          <a:ext cx="0" cy="0"/>
+          <a:chOff x="0" y="0"/>
+          <a:chExt cx="0" cy="0"/>
+        </a:xfrm>
+      </p:grpSpPr>
+      <p:sp>
+        <p:nvSpPr>
+          <p:cNvPr id="4" name="Titre 1"/>
+          <p:cNvSpPr txBox="1">
+            <a:spLocks/>
+          </p:cNvSpPr>
+          <p:nvPr/>
+        </p:nvSpPr>
+        <p:spPr>
+          <a:xfrm>
+            <a:off x="0" y="0"/>
+            <a:ext cx="12192000" cy="747252"/>
+          </a:xfrm>
+          <a:prstGeom prst="rect">
+            <a:avLst/>
+          </a:prstGeom>
+        </p:spPr>
+        <p:txBody>
+          <a:bodyPr vert="horz" lIns="91440" tIns="45720" rIns="91440" bIns="45720" rtlCol="0" anchor="ctr">
+            <a:normAutofit/>
+          </a:bodyPr>
+          <a:lstStyle>
+            <a:lvl1pPr algn="l" defTabSz="914400" rtl="0" eaLnBrk="1" latinLnBrk="0" hangingPunct="1">
+              <a:lnSpc>
+                <a:spcPct val="90000"/>
+              </a:lnSpc>
+              <a:spcBef>
+                <a:spcPct val="0"/>
+              </a:spcBef>
+              <a:buNone/>
+              <a:defRPr sz="4400" kern="1200">
+                <a:solidFill>
+                  <a:schemeClr val="tx1"/>
+                </a:solidFill>
+                <a:latin typeface="+mj-lt"/>
+                <a:ea typeface="+mj-ea"/>
+                <a:cs typeface="+mj-cs"/>
+              </a:defRPr>
+            </a:lvl1pPr>
+          </a:lstStyle>
+          <a:p>
+            <a:r>
+              <a:rPr lang="fr-FR" sz="3600" b="1" dirty="0" smtClean="0">
+                <a:solidFill>
+                  <a:srgbClr val="0070C0"/>
+                </a:solidFill>
+              </a:rPr>
+              <a:t>  Titre</a:t>
+            </a:r>
+            <a:endParaRPr lang="fr-FR" sz="3600" dirty="0">
+              <a:solidFill>
+                <a:srgbClr val="0070C0"/>
+              </a:solidFill>
+            </a:endParaRPr>
+          </a:p>
+        </p:txBody>
+      </p:sp>
+      <p:cxnSp>
+        <p:nvCxnSpPr>
+          <p:cNvPr id="5" name="Connecteur droit 4"/>
+          <p:cNvCxnSpPr/>
+          <p:nvPr/>
+        </p:nvCxnSpPr>
+        <p:spPr>
+          <a:xfrm>
+            <a:off x="220983" y="747252"/>
+            <a:ext cx="11754707" cy="0"/>
+          </a:xfrm>
+          <a:prstGeom prst="line">
+            <a:avLst/>
+          </a:prstGeom>
+          <a:ln w="76200">
+            <a:gradFill flip="none" rotWithShape="1">
+              <a:gsLst>
+                <a:gs pos="0">
+                  <a:srgbClr val="0070C0"/>
+                </a:gs>
+                <a:gs pos="100000">
+                  <a:srgbClr val="0070C0">
+                    <a:alpha val="25000"/>
+                  </a:srgbClr>
+                </a:gs>
+              </a:gsLst>
+              <a:lin ang="0" scaled="1"/>
+              <a:tileRect/>
+            </a:gradFill>
+          </a:ln>
+        </p:spPr>
+        <p:style>
+          <a:lnRef idx="1">
+            <a:schemeClr val="accent1"/>
+          </a:lnRef>
+          <a:fillRef idx="0">
+            <a:schemeClr val="accent1"/>
+          </a:fillRef>
+          <a:effectRef idx="0">
+            <a:schemeClr val="accent1"/>
+          </a:effectRef>
+          <a:fontRef idx="minor">
+            <a:schemeClr val="tx1"/>
+          </a:fontRef>
+        </p:style>
+      </p:cxnSp>
+    </p:spTree>
+    <p:extLst>
+      <p:ext uri="{BB962C8B-B14F-4D97-AF65-F5344CB8AC3E}">
+        <p14:creationId xmlns:p14="http://schemas.microsoft.com/office/powerpoint/2010/main" val="1891274560"/>
+      </p:ext>
+    </p:extLst>
+  </p:cSld>
+  <p:clrMapOvr>
+    <a:masterClrMapping/>
+  </p:clrMapOvr>
+  <p:timing>
+    <p:tnLst>
+      <p:par>
+        <p:cTn id="1" dur="indefinite" restart="never" nodeType="tmRoot"/>
+      </p:par>
+    </p:tnLst>
+  </p:timing>
+</p:sld>
+</file>
+
+<file path=ppt/slides/slide3.xml><?xml version="1.0" encoding="utf-8"?>
 <p:sld xmlns:a="http://schemas.openxmlformats.org/drawingml/2006/main" xmlns:r="http://schemas.openxmlformats.org/officeDocument/2006/relationships" xmlns:p="http://schemas.openxmlformats.org/presentationml/2006/main">
   <p:cSld>
     <p:spTree>
@@ -3110,7 +3304,7 @@
 </p:sld>
 </file>
 
-<file path=ppt/slides/slide3.xml><?xml version="1.0" encoding="utf-8"?>
+<file path=ppt/slides/slide4.xml><?xml version="1.0" encoding="utf-8"?>
 <p:sld xmlns:a="http://schemas.openxmlformats.org/drawingml/2006/main" xmlns:r="http://schemas.openxmlformats.org/officeDocument/2006/relationships" xmlns:p="http://schemas.openxmlformats.org/presentationml/2006/main">
   <p:cSld>
     <p:spTree>
@@ -3176,7 +3370,7 @@
 </p:sld>
 </file>
 
-<file path=ppt/slides/slide4.xml><?xml version="1.0" encoding="utf-8"?>
+<file path=ppt/slides/slide5.xml><?xml version="1.0" encoding="utf-8"?>
 <p:sld xmlns:a="http://schemas.openxmlformats.org/drawingml/2006/main" xmlns:r="http://schemas.openxmlformats.org/officeDocument/2006/relationships" xmlns:p="http://schemas.openxmlformats.org/presentationml/2006/main">
   <p:cSld>
     <p:spTree>
@@ -3243,7 +3437,7 @@
 </p:sld>
 </file>
 
-<file path=ppt/slides/slide5.xml><?xml version="1.0" encoding="utf-8"?>
+<file path=ppt/slides/slide6.xml><?xml version="1.0" encoding="utf-8"?>
 <p:sld xmlns:a="http://schemas.openxmlformats.org/drawingml/2006/main" xmlns:r="http://schemas.openxmlformats.org/officeDocument/2006/relationships" xmlns:p="http://schemas.openxmlformats.org/presentationml/2006/main">
   <p:cSld>
     <p:spTree>
@@ -3310,7 +3504,7 @@
 </p:sld>
 </file>
 
-<file path=ppt/slides/slide6.xml><?xml version="1.0" encoding="utf-8"?>
+<file path=ppt/slides/slide7.xml><?xml version="1.0" encoding="utf-8"?>
 <p:sld xmlns:a="http://schemas.openxmlformats.org/drawingml/2006/main" xmlns:r="http://schemas.openxmlformats.org/officeDocument/2006/relationships" xmlns:p="http://schemas.openxmlformats.org/presentationml/2006/main">
   <p:cSld>
     <p:spTree>
@@ -3377,7 +3571,7 @@
 </p:sld>
 </file>
 
-<file path=ppt/slides/slide7.xml><?xml version="1.0" encoding="utf-8"?>
+<file path=ppt/slides/slide8.xml><?xml version="1.0" encoding="utf-8"?>
 <p:sld xmlns:a="http://schemas.openxmlformats.org/drawingml/2006/main" xmlns:r="http://schemas.openxmlformats.org/officeDocument/2006/relationships" xmlns:p="http://schemas.openxmlformats.org/presentationml/2006/main">
   <p:cSld>
     <p:spTree>
